--- a/ActiveGraphic.pptx
+++ b/ActiveGraphic.pptx
@@ -273,7 +273,7 @@
           <a:p>
             <a:fld id="{C05B0BEB-E690-4CE1-9D75-95812A64B2BB}" type="datetimeFigureOut">
               <a:rPr lang="ko-KR" altLang="en-US" smtClean="0"/>
-              <a:t>2022-08-20</a:t>
+              <a:t>2022-08-23</a:t>
             </a:fld>
             <a:endParaRPr lang="ko-KR" altLang="en-US"/>
           </a:p>
@@ -471,7 +471,7 @@
           <a:p>
             <a:fld id="{C05B0BEB-E690-4CE1-9D75-95812A64B2BB}" type="datetimeFigureOut">
               <a:rPr lang="ko-KR" altLang="en-US" smtClean="0"/>
-              <a:t>2022-08-20</a:t>
+              <a:t>2022-08-23</a:t>
             </a:fld>
             <a:endParaRPr lang="ko-KR" altLang="en-US"/>
           </a:p>
@@ -679,7 +679,7 @@
           <a:p>
             <a:fld id="{C05B0BEB-E690-4CE1-9D75-95812A64B2BB}" type="datetimeFigureOut">
               <a:rPr lang="ko-KR" altLang="en-US" smtClean="0"/>
-              <a:t>2022-08-20</a:t>
+              <a:t>2022-08-23</a:t>
             </a:fld>
             <a:endParaRPr lang="ko-KR" altLang="en-US"/>
           </a:p>
@@ -877,7 +877,7 @@
           <a:p>
             <a:fld id="{C05B0BEB-E690-4CE1-9D75-95812A64B2BB}" type="datetimeFigureOut">
               <a:rPr lang="ko-KR" altLang="en-US" smtClean="0"/>
-              <a:t>2022-08-20</a:t>
+              <a:t>2022-08-23</a:t>
             </a:fld>
             <a:endParaRPr lang="ko-KR" altLang="en-US"/>
           </a:p>
@@ -1152,7 +1152,7 @@
           <a:p>
             <a:fld id="{C05B0BEB-E690-4CE1-9D75-95812A64B2BB}" type="datetimeFigureOut">
               <a:rPr lang="ko-KR" altLang="en-US" smtClean="0"/>
-              <a:t>2022-08-20</a:t>
+              <a:t>2022-08-23</a:t>
             </a:fld>
             <a:endParaRPr lang="ko-KR" altLang="en-US"/>
           </a:p>
@@ -1417,7 +1417,7 @@
           <a:p>
             <a:fld id="{C05B0BEB-E690-4CE1-9D75-95812A64B2BB}" type="datetimeFigureOut">
               <a:rPr lang="ko-KR" altLang="en-US" smtClean="0"/>
-              <a:t>2022-08-20</a:t>
+              <a:t>2022-08-23</a:t>
             </a:fld>
             <a:endParaRPr lang="ko-KR" altLang="en-US"/>
           </a:p>
@@ -1829,7 +1829,7 @@
           <a:p>
             <a:fld id="{C05B0BEB-E690-4CE1-9D75-95812A64B2BB}" type="datetimeFigureOut">
               <a:rPr lang="ko-KR" altLang="en-US" smtClean="0"/>
-              <a:t>2022-08-20</a:t>
+              <a:t>2022-08-23</a:t>
             </a:fld>
             <a:endParaRPr lang="ko-KR" altLang="en-US"/>
           </a:p>
@@ -1970,7 +1970,7 @@
           <a:p>
             <a:fld id="{C05B0BEB-E690-4CE1-9D75-95812A64B2BB}" type="datetimeFigureOut">
               <a:rPr lang="ko-KR" altLang="en-US" smtClean="0"/>
-              <a:t>2022-08-20</a:t>
+              <a:t>2022-08-23</a:t>
             </a:fld>
             <a:endParaRPr lang="ko-KR" altLang="en-US"/>
           </a:p>
@@ -2083,7 +2083,7 @@
           <a:p>
             <a:fld id="{C05B0BEB-E690-4CE1-9D75-95812A64B2BB}" type="datetimeFigureOut">
               <a:rPr lang="ko-KR" altLang="en-US" smtClean="0"/>
-              <a:t>2022-08-20</a:t>
+              <a:t>2022-08-23</a:t>
             </a:fld>
             <a:endParaRPr lang="ko-KR" altLang="en-US"/>
           </a:p>
@@ -2394,7 +2394,7 @@
           <a:p>
             <a:fld id="{C05B0BEB-E690-4CE1-9D75-95812A64B2BB}" type="datetimeFigureOut">
               <a:rPr lang="ko-KR" altLang="en-US" smtClean="0"/>
-              <a:t>2022-08-20</a:t>
+              <a:t>2022-08-23</a:t>
             </a:fld>
             <a:endParaRPr lang="ko-KR" altLang="en-US"/>
           </a:p>
@@ -2682,7 +2682,7 @@
           <a:p>
             <a:fld id="{C05B0BEB-E690-4CE1-9D75-95812A64B2BB}" type="datetimeFigureOut">
               <a:rPr lang="ko-KR" altLang="en-US" smtClean="0"/>
-              <a:t>2022-08-20</a:t>
+              <a:t>2022-08-23</a:t>
             </a:fld>
             <a:endParaRPr lang="ko-KR" altLang="en-US"/>
           </a:p>
@@ -2923,7 +2923,7 @@
           <a:p>
             <a:fld id="{C05B0BEB-E690-4CE1-9D75-95812A64B2BB}" type="datetimeFigureOut">
               <a:rPr lang="ko-KR" altLang="en-US" smtClean="0"/>
-              <a:t>2022-08-20</a:t>
+              <a:t>2022-08-23</a:t>
             </a:fld>
             <a:endParaRPr lang="ko-KR" altLang="en-US"/>
           </a:p>
@@ -3575,7 +3575,7 @@
                 </a:solidFill>
                 <a:latin typeface="Cascadia Mono" panose="020B0609020000020004" pitchFamily="49" charset="0"/>
               </a:rPr>
-              <a:t>="ActiveGraphic01.MainPage"&gt;</a:t>
+              <a:t>="ActiveGraphic.MainPage"&gt;</a:t>
             </a:r>
             <a:endParaRPr lang="en-US" altLang="ko-KR" sz="700">
               <a:solidFill>
@@ -6138,7 +6138,7 @@
                 </a:solidFill>
                 <a:latin typeface="Cascadia Mono" panose="020B0609020000020004" pitchFamily="49" charset="0"/>
               </a:rPr>
-              <a:t>="ActiveGraphic01.MainPage"&gt;</a:t>
+              <a:t>="ActiveGraphic.MainPage"&gt;</a:t>
             </a:r>
             <a:endParaRPr lang="en-US" altLang="ko-KR" sz="700">
               <a:solidFill>
@@ -7765,7 +7765,7 @@
                 </a:solidFill>
                 <a:latin typeface="Cascadia Mono" panose="020B0609020000020004" pitchFamily="49" charset="0"/>
               </a:rPr>
-              <a:t> ActiveGraphic01</a:t>
+              <a:t> ActiveGraphic</a:t>
             </a:r>
           </a:p>
           <a:p>
@@ -8641,7 +8641,7 @@
                 </a:solidFill>
                 <a:latin typeface="Cascadia Mono" panose="020B0609020000020004" pitchFamily="49" charset="0"/>
               </a:rPr>
-              <a:t> ActiveGraphic01</a:t>
+              <a:t> ActiveGraphic</a:t>
             </a:r>
           </a:p>
           <a:p>
@@ -10242,7 +10242,7 @@
                 </a:solidFill>
                 <a:latin typeface="Cascadia Mono" panose="020B0609020000020004" pitchFamily="49" charset="0"/>
               </a:rPr>
-              <a:t>="ActiveGraphic01.MainPage"&gt;</a:t>
+              <a:t>="ActiveGraphic.MainPage"&gt;</a:t>
             </a:r>
             <a:endParaRPr lang="en-US" altLang="ko-KR" sz="700">
               <a:solidFill>
